--- a/Peaks_and_Genes_cheatsheet/Peaks_and_Genes_cheatsheet_last.pptx
+++ b/Peaks_and_Genes_cheatsheet/Peaks_and_Genes_cheatsheet_last.pptx
@@ -2180,7 +2180,7 @@
           </a:ln>
           <a:extLst>
             <a:ext uri="{C572A759-6A51-4108-AA02-DFA0A04FC94B}">
-              <ma14:wrappingTextBoxFlag xmlns="" xmlns:m="http://schemas.openxmlformats.org/officeDocument/2006/math" xmlns:a14="http://schemas.microsoft.com/office/drawing/2010/main" xmlns:ma14="http://schemas.microsoft.com/office/mac/drawingml/2011/main" val="1"/>
+              <ma14:wrappingTextBoxFlag xmlns:ma14="http://schemas.microsoft.com/office/mac/drawingml/2011/main" xmlns:a14="http://schemas.microsoft.com/office/drawing/2010/main" xmlns:m="http://schemas.openxmlformats.org/officeDocument/2006/math" xmlns="" val="1"/>
             </a:ext>
           </a:extLst>
         </p:spPr>
@@ -2219,7 +2219,7 @@
           </a:ln>
           <a:extLst>
             <a:ext uri="{C572A759-6A51-4108-AA02-DFA0A04FC94B}">
-              <ma14:wrappingTextBoxFlag xmlns="" xmlns:m="http://schemas.openxmlformats.org/officeDocument/2006/math" xmlns:a14="http://schemas.microsoft.com/office/drawing/2010/main" xmlns:ma14="http://schemas.microsoft.com/office/mac/drawingml/2011/main" val="1"/>
+              <ma14:wrappingTextBoxFlag xmlns:ma14="http://schemas.microsoft.com/office/mac/drawingml/2011/main" xmlns:a14="http://schemas.microsoft.com/office/drawing/2010/main" xmlns:m="http://schemas.openxmlformats.org/officeDocument/2006/math" xmlns="" val="1"/>
             </a:ext>
           </a:extLst>
         </p:spPr>
@@ -3333,7 +3333,7 @@
           </a:ln>
           <a:extLst>
             <a:ext uri="{C572A759-6A51-4108-AA02-DFA0A04FC94B}">
-              <ma14:wrappingTextBoxFlag xmlns="" xmlns:m="http://schemas.openxmlformats.org/officeDocument/2006/math" xmlns:a14="http://schemas.microsoft.com/office/drawing/2010/main" xmlns:ma14="http://schemas.microsoft.com/office/mac/drawingml/2011/main" val="1"/>
+              <ma14:wrappingTextBoxFlag xmlns:ma14="http://schemas.microsoft.com/office/mac/drawingml/2011/main" xmlns:a14="http://schemas.microsoft.com/office/drawing/2010/main" xmlns:m="http://schemas.openxmlformats.org/officeDocument/2006/math" xmlns="" val="1"/>
             </a:ext>
           </a:extLst>
         </p:spPr>
@@ -3546,7 +3546,7 @@
           </a:ln>
           <a:extLst>
             <a:ext uri="{C572A759-6A51-4108-AA02-DFA0A04FC94B}">
-              <ma14:wrappingTextBoxFlag xmlns="" xmlns:m="http://schemas.openxmlformats.org/officeDocument/2006/math" xmlns:a14="http://schemas.microsoft.com/office/drawing/2010/main" xmlns:ma14="http://schemas.microsoft.com/office/mac/drawingml/2011/main" val="1"/>
+              <ma14:wrappingTextBoxFlag xmlns:ma14="http://schemas.microsoft.com/office/mac/drawingml/2011/main" xmlns:a14="http://schemas.microsoft.com/office/drawing/2010/main" xmlns:m="http://schemas.openxmlformats.org/officeDocument/2006/math" xmlns="" val="1"/>
             </a:ext>
           </a:extLst>
         </p:spPr>
@@ -3632,7 +3632,7 @@
           </a:ln>
           <a:extLst>
             <a:ext uri="{C572A759-6A51-4108-AA02-DFA0A04FC94B}">
-              <ma14:wrappingTextBoxFlag xmlns="" xmlns:m="http://schemas.openxmlformats.org/officeDocument/2006/math" xmlns:a14="http://schemas.microsoft.com/office/drawing/2010/main" xmlns:ma14="http://schemas.microsoft.com/office/mac/drawingml/2011/main" val="1"/>
+              <ma14:wrappingTextBoxFlag xmlns:ma14="http://schemas.microsoft.com/office/mac/drawingml/2011/main" xmlns:a14="http://schemas.microsoft.com/office/drawing/2010/main" xmlns:m="http://schemas.openxmlformats.org/officeDocument/2006/math" xmlns="" val="1"/>
             </a:ext>
           </a:extLst>
         </p:spPr>
@@ -3724,7 +3724,7 @@
           </a:ln>
           <a:extLst>
             <a:ext uri="{C572A759-6A51-4108-AA02-DFA0A04FC94B}">
-              <ma14:wrappingTextBoxFlag xmlns="" xmlns:m="http://schemas.openxmlformats.org/officeDocument/2006/math" xmlns:a14="http://schemas.microsoft.com/office/drawing/2010/main" xmlns:ma14="http://schemas.microsoft.com/office/mac/drawingml/2011/main" val="1"/>
+              <ma14:wrappingTextBoxFlag xmlns:ma14="http://schemas.microsoft.com/office/mac/drawingml/2011/main" xmlns:a14="http://schemas.microsoft.com/office/drawing/2010/main" xmlns:m="http://schemas.openxmlformats.org/officeDocument/2006/math" xmlns="" val="1"/>
             </a:ext>
           </a:extLst>
         </p:spPr>
@@ -3816,7 +3816,7 @@
           </a:ln>
           <a:extLst>
             <a:ext uri="{C572A759-6A51-4108-AA02-DFA0A04FC94B}">
-              <ma14:wrappingTextBoxFlag xmlns="" xmlns:m="http://schemas.openxmlformats.org/officeDocument/2006/math" xmlns:a14="http://schemas.microsoft.com/office/drawing/2010/main" xmlns:ma14="http://schemas.microsoft.com/office/mac/drawingml/2011/main" val="1"/>
+              <ma14:wrappingTextBoxFlag xmlns:ma14="http://schemas.microsoft.com/office/mac/drawingml/2011/main" xmlns:a14="http://schemas.microsoft.com/office/drawing/2010/main" xmlns:m="http://schemas.openxmlformats.org/officeDocument/2006/math" xmlns="" val="1"/>
             </a:ext>
           </a:extLst>
         </p:spPr>
@@ -3908,7 +3908,7 @@
           </a:ln>
           <a:extLst>
             <a:ext uri="{C572A759-6A51-4108-AA02-DFA0A04FC94B}">
-              <ma14:wrappingTextBoxFlag xmlns="" xmlns:m="http://schemas.openxmlformats.org/officeDocument/2006/math" xmlns:a14="http://schemas.microsoft.com/office/drawing/2010/main" xmlns:ma14="http://schemas.microsoft.com/office/mac/drawingml/2011/main" val="1"/>
+              <ma14:wrappingTextBoxFlag xmlns:ma14="http://schemas.microsoft.com/office/mac/drawingml/2011/main" xmlns:a14="http://schemas.microsoft.com/office/drawing/2010/main" xmlns:m="http://schemas.openxmlformats.org/officeDocument/2006/math" xmlns="" val="1"/>
             </a:ext>
           </a:extLst>
         </p:spPr>
@@ -4025,7 +4025,7 @@
           </a:ln>
           <a:extLst>
             <a:ext uri="{C572A759-6A51-4108-AA02-DFA0A04FC94B}">
-              <ma14:wrappingTextBoxFlag xmlns="" xmlns:m="http://schemas.openxmlformats.org/officeDocument/2006/math" xmlns:a14="http://schemas.microsoft.com/office/drawing/2010/main" xmlns:ma14="http://schemas.microsoft.com/office/mac/drawingml/2011/main" val="1"/>
+              <ma14:wrappingTextBoxFlag xmlns:ma14="http://schemas.microsoft.com/office/mac/drawingml/2011/main" xmlns:a14="http://schemas.microsoft.com/office/drawing/2010/main" xmlns:m="http://schemas.openxmlformats.org/officeDocument/2006/math" xmlns="" val="1"/>
             </a:ext>
           </a:extLst>
         </p:spPr>
@@ -4404,7 +4404,7 @@
           </a:ln>
           <a:extLst>
             <a:ext uri="{C572A759-6A51-4108-AA02-DFA0A04FC94B}">
-              <ma14:wrappingTextBoxFlag xmlns="" xmlns:m="http://schemas.openxmlformats.org/officeDocument/2006/math" xmlns:a14="http://schemas.microsoft.com/office/drawing/2010/main" xmlns:ma14="http://schemas.microsoft.com/office/mac/drawingml/2011/main" val="1"/>
+              <ma14:wrappingTextBoxFlag xmlns:ma14="http://schemas.microsoft.com/office/mac/drawingml/2011/main" xmlns:a14="http://schemas.microsoft.com/office/drawing/2010/main" xmlns:m="http://schemas.openxmlformats.org/officeDocument/2006/math" xmlns="" val="1"/>
             </a:ext>
           </a:extLst>
         </p:spPr>
@@ -4502,7 +4502,7 @@
           </a:ln>
           <a:extLst>
             <a:ext uri="{C572A759-6A51-4108-AA02-DFA0A04FC94B}">
-              <ma14:wrappingTextBoxFlag xmlns="" xmlns:m="http://schemas.openxmlformats.org/officeDocument/2006/math" xmlns:a14="http://schemas.microsoft.com/office/drawing/2010/main" xmlns:ma14="http://schemas.microsoft.com/office/mac/drawingml/2011/main" val="1"/>
+              <ma14:wrappingTextBoxFlag xmlns:ma14="http://schemas.microsoft.com/office/mac/drawingml/2011/main" xmlns:a14="http://schemas.microsoft.com/office/drawing/2010/main" xmlns:m="http://schemas.openxmlformats.org/officeDocument/2006/math" xmlns="" val="1"/>
             </a:ext>
           </a:extLst>
         </p:spPr>
@@ -4577,7 +4577,7 @@
           </a:ln>
           <a:extLst>
             <a:ext uri="{C572A759-6A51-4108-AA02-DFA0A04FC94B}">
-              <ma14:wrappingTextBoxFlag xmlns="" xmlns:m="http://schemas.openxmlformats.org/officeDocument/2006/math" xmlns:a14="http://schemas.microsoft.com/office/drawing/2010/main" xmlns:ma14="http://schemas.microsoft.com/office/mac/drawingml/2011/main" val="1"/>
+              <ma14:wrappingTextBoxFlag xmlns:ma14="http://schemas.microsoft.com/office/mac/drawingml/2011/main" xmlns:a14="http://schemas.microsoft.com/office/drawing/2010/main" xmlns:m="http://schemas.openxmlformats.org/officeDocument/2006/math" xmlns="" val="1"/>
             </a:ext>
           </a:extLst>
         </p:spPr>
@@ -4700,7 +4700,7 @@
           </a:effectLst>
           <a:extLst>
             <a:ext uri="{C572A759-6A51-4108-AA02-DFA0A04FC94B}">
-              <ma14:wrappingTextBoxFlag xmlns="" xmlns:m="http://schemas.openxmlformats.org/officeDocument/2006/math" xmlns:a14="http://schemas.microsoft.com/office/drawing/2010/main" xmlns:ma14="http://schemas.microsoft.com/office/mac/drawingml/2011/main" val="1"/>
+              <ma14:wrappingTextBoxFlag xmlns:ma14="http://schemas.microsoft.com/office/mac/drawingml/2011/main" xmlns:a14="http://schemas.microsoft.com/office/drawing/2010/main" xmlns:m="http://schemas.openxmlformats.org/officeDocument/2006/math" xmlns="" val="1"/>
             </a:ext>
           </a:extLst>
         </p:spPr>
@@ -4834,7 +4834,7 @@
           </a:ln>
           <a:extLst>
             <a:ext uri="{C572A759-6A51-4108-AA02-DFA0A04FC94B}">
-              <ma14:wrappingTextBoxFlag xmlns="" xmlns:m="http://schemas.openxmlformats.org/officeDocument/2006/math" xmlns:a14="http://schemas.microsoft.com/office/drawing/2010/main" xmlns:ma14="http://schemas.microsoft.com/office/mac/drawingml/2011/main" val="1"/>
+              <ma14:wrappingTextBoxFlag xmlns:ma14="http://schemas.microsoft.com/office/mac/drawingml/2011/main" xmlns:a14="http://schemas.microsoft.com/office/drawing/2010/main" xmlns:m="http://schemas.openxmlformats.org/officeDocument/2006/math" xmlns="" val="1"/>
             </a:ext>
           </a:extLst>
         </p:spPr>
@@ -4914,7 +4914,7 @@
           </a:ln>
           <a:extLst>
             <a:ext uri="{C572A759-6A51-4108-AA02-DFA0A04FC94B}">
-              <ma14:wrappingTextBoxFlag xmlns="" xmlns:m="http://schemas.openxmlformats.org/officeDocument/2006/math" xmlns:a14="http://schemas.microsoft.com/office/drawing/2010/main" xmlns:ma14="http://schemas.microsoft.com/office/mac/drawingml/2011/main" val="1"/>
+              <ma14:wrappingTextBoxFlag xmlns:ma14="http://schemas.microsoft.com/office/mac/drawingml/2011/main" xmlns:a14="http://schemas.microsoft.com/office/drawing/2010/main" xmlns:m="http://schemas.openxmlformats.org/officeDocument/2006/math" xmlns="" val="1"/>
             </a:ext>
           </a:extLst>
         </p:spPr>
@@ -6819,7 +6819,7 @@
           <p:cNvPr id="215" name="Line">
             <a:extLst>
               <a:ext uri="{FF2B5EF4-FFF2-40B4-BE49-F238E27FC236}">
-                <a16:creationId xmlns:a16="http://schemas.microsoft.com/office/drawing/2014/main" xmlns="" id="{7668FFBE-924A-3044-A9A0-8EEB7253E34D}"/>
+                <a16:creationId xmlns="" xmlns:a16="http://schemas.microsoft.com/office/drawing/2014/main" id="{7668FFBE-924A-3044-A9A0-8EEB7253E34D}"/>
               </a:ext>
             </a:extLst>
           </p:cNvPr>
@@ -6877,7 +6877,7 @@
           </a:effectLst>
           <a:extLst>
             <a:ext uri="{C572A759-6A51-4108-AA02-DFA0A04FC94B}">
-              <ma14:wrappingTextBoxFlag xmlns="" xmlns:m="http://schemas.openxmlformats.org/officeDocument/2006/math" xmlns:a14="http://schemas.microsoft.com/office/drawing/2010/main" xmlns:ma14="http://schemas.microsoft.com/office/mac/drawingml/2011/main" val="1"/>
+              <ma14:wrappingTextBoxFlag xmlns:ma14="http://schemas.microsoft.com/office/mac/drawingml/2011/main" xmlns:a14="http://schemas.microsoft.com/office/drawing/2010/main" xmlns:m="http://schemas.openxmlformats.org/officeDocument/2006/math" xmlns="" val="1"/>
             </a:ext>
           </a:extLst>
         </p:spPr>
@@ -6958,7 +6958,7 @@
           </a:ln>
           <a:extLst>
             <a:ext uri="{C572A759-6A51-4108-AA02-DFA0A04FC94B}">
-              <ma14:wrappingTextBoxFlag xmlns="" xmlns:m="http://schemas.openxmlformats.org/officeDocument/2006/math" xmlns:a14="http://schemas.microsoft.com/office/drawing/2010/main" xmlns:ma14="http://schemas.microsoft.com/office/mac/drawingml/2011/main" val="1"/>
+              <ma14:wrappingTextBoxFlag xmlns:ma14="http://schemas.microsoft.com/office/mac/drawingml/2011/main" xmlns:a14="http://schemas.microsoft.com/office/drawing/2010/main" xmlns:m="http://schemas.openxmlformats.org/officeDocument/2006/math" xmlns="" val="1"/>
             </a:ext>
           </a:extLst>
         </p:spPr>
@@ -7134,7 +7134,7 @@
           </a:ln>
           <a:extLst>
             <a:ext uri="{C572A759-6A51-4108-AA02-DFA0A04FC94B}">
-              <ma14:wrappingTextBoxFlag xmlns="" xmlns:m="http://schemas.openxmlformats.org/officeDocument/2006/math" xmlns:a14="http://schemas.microsoft.com/office/drawing/2010/main" xmlns:ma14="http://schemas.microsoft.com/office/mac/drawingml/2011/main" val="1"/>
+              <ma14:wrappingTextBoxFlag xmlns:ma14="http://schemas.microsoft.com/office/mac/drawingml/2011/main" xmlns:a14="http://schemas.microsoft.com/office/drawing/2010/main" xmlns:m="http://schemas.openxmlformats.org/officeDocument/2006/math" xmlns="" val="1"/>
             </a:ext>
           </a:extLst>
         </p:spPr>
@@ -7300,7 +7300,7 @@
           </a:ln>
           <a:extLst>
             <a:ext uri="{C572A759-6A51-4108-AA02-DFA0A04FC94B}">
-              <ma14:wrappingTextBoxFlag xmlns="" xmlns:m="http://schemas.openxmlformats.org/officeDocument/2006/math" xmlns:a14="http://schemas.microsoft.com/office/drawing/2010/main" xmlns:ma14="http://schemas.microsoft.com/office/mac/drawingml/2011/main" val="1"/>
+              <ma14:wrappingTextBoxFlag xmlns:ma14="http://schemas.microsoft.com/office/mac/drawingml/2011/main" xmlns:a14="http://schemas.microsoft.com/office/drawing/2010/main" xmlns:m="http://schemas.openxmlformats.org/officeDocument/2006/math" xmlns="" val="1"/>
             </a:ext>
           </a:extLst>
         </p:spPr>
@@ -7453,7 +7453,7 @@
           </a:ln>
           <a:extLst>
             <a:ext uri="{C572A759-6A51-4108-AA02-DFA0A04FC94B}">
-              <ma14:wrappingTextBoxFlag xmlns="" xmlns:m="http://schemas.openxmlformats.org/officeDocument/2006/math" xmlns:a14="http://schemas.microsoft.com/office/drawing/2010/main" xmlns:ma14="http://schemas.microsoft.com/office/mac/drawingml/2011/main" val="1"/>
+              <ma14:wrappingTextBoxFlag xmlns:ma14="http://schemas.microsoft.com/office/mac/drawingml/2011/main" xmlns:a14="http://schemas.microsoft.com/office/drawing/2010/main" xmlns:m="http://schemas.openxmlformats.org/officeDocument/2006/math" xmlns="" val="1"/>
             </a:ext>
           </a:extLst>
         </p:spPr>
@@ -7583,7 +7583,7 @@
           </a:ln>
           <a:extLst>
             <a:ext uri="{C572A759-6A51-4108-AA02-DFA0A04FC94B}">
-              <ma14:wrappingTextBoxFlag xmlns="" xmlns:m="http://schemas.openxmlformats.org/officeDocument/2006/math" xmlns:a14="http://schemas.microsoft.com/office/drawing/2010/main" xmlns:ma14="http://schemas.microsoft.com/office/mac/drawingml/2011/main" val="1"/>
+              <ma14:wrappingTextBoxFlag xmlns:ma14="http://schemas.microsoft.com/office/mac/drawingml/2011/main" xmlns:a14="http://schemas.microsoft.com/office/drawing/2010/main" xmlns:m="http://schemas.openxmlformats.org/officeDocument/2006/math" xmlns="" val="1"/>
             </a:ext>
           </a:extLst>
         </p:spPr>
@@ -7680,7 +7680,7 @@
           </a:effectLst>
           <a:extLst>
             <a:ext uri="{C572A759-6A51-4108-AA02-DFA0A04FC94B}">
-              <ma14:wrappingTextBoxFlag xmlns="" xmlns:m="http://schemas.openxmlformats.org/officeDocument/2006/math" xmlns:a14="http://schemas.microsoft.com/office/drawing/2010/main" xmlns:ma14="http://schemas.microsoft.com/office/mac/drawingml/2011/main" val="1"/>
+              <ma14:wrappingTextBoxFlag xmlns:ma14="http://schemas.microsoft.com/office/mac/drawingml/2011/main" xmlns:a14="http://schemas.microsoft.com/office/drawing/2010/main" xmlns:m="http://schemas.openxmlformats.org/officeDocument/2006/math" xmlns="" val="1"/>
             </a:ext>
           </a:extLst>
         </p:spPr>
@@ -7735,7 +7735,7 @@
           </a:ln>
           <a:extLst>
             <a:ext uri="{C572A759-6A51-4108-AA02-DFA0A04FC94B}">
-              <ma14:wrappingTextBoxFlag xmlns="" xmlns:m="http://schemas.openxmlformats.org/officeDocument/2006/math" xmlns:a14="http://schemas.microsoft.com/office/drawing/2010/main" xmlns:ma14="http://schemas.microsoft.com/office/mac/drawingml/2011/main" val="1"/>
+              <ma14:wrappingTextBoxFlag xmlns:ma14="http://schemas.microsoft.com/office/mac/drawingml/2011/main" xmlns:a14="http://schemas.microsoft.com/office/drawing/2010/main" xmlns:m="http://schemas.openxmlformats.org/officeDocument/2006/math" xmlns="" val="1"/>
             </a:ext>
           </a:extLst>
         </p:spPr>
@@ -8109,7 +8109,7 @@
           </a:ln>
           <a:extLst>
             <a:ext uri="{C572A759-6A51-4108-AA02-DFA0A04FC94B}">
-              <ma14:wrappingTextBoxFlag xmlns="" xmlns:m="http://schemas.openxmlformats.org/officeDocument/2006/math" xmlns:a14="http://schemas.microsoft.com/office/drawing/2010/main" xmlns:ma14="http://schemas.microsoft.com/office/mac/drawingml/2011/main" val="1"/>
+              <ma14:wrappingTextBoxFlag xmlns:ma14="http://schemas.microsoft.com/office/mac/drawingml/2011/main" xmlns:a14="http://schemas.microsoft.com/office/drawing/2010/main" xmlns:m="http://schemas.openxmlformats.org/officeDocument/2006/math" xmlns="" val="1"/>
             </a:ext>
           </a:extLst>
         </p:spPr>
@@ -8189,7 +8189,7 @@
           </a:ln>
           <a:extLst>
             <a:ext uri="{C572A759-6A51-4108-AA02-DFA0A04FC94B}">
-              <ma14:wrappingTextBoxFlag xmlns="" xmlns:m="http://schemas.openxmlformats.org/officeDocument/2006/math" xmlns:a14="http://schemas.microsoft.com/office/drawing/2010/main" xmlns:ma14="http://schemas.microsoft.com/office/mac/drawingml/2011/main" val="1"/>
+              <ma14:wrappingTextBoxFlag xmlns:ma14="http://schemas.microsoft.com/office/mac/drawingml/2011/main" xmlns:a14="http://schemas.microsoft.com/office/drawing/2010/main" xmlns:m="http://schemas.openxmlformats.org/officeDocument/2006/math" xmlns="" val="1"/>
             </a:ext>
           </a:extLst>
         </p:spPr>
@@ -8261,7 +8261,7 @@
           </a:ln>
           <a:extLst>
             <a:ext uri="{C572A759-6A51-4108-AA02-DFA0A04FC94B}">
-              <ma14:wrappingTextBoxFlag xmlns="" xmlns:m="http://schemas.openxmlformats.org/officeDocument/2006/math" xmlns:a14="http://schemas.microsoft.com/office/drawing/2010/main" xmlns:ma14="http://schemas.microsoft.com/office/mac/drawingml/2011/main" val="1"/>
+              <ma14:wrappingTextBoxFlag xmlns:ma14="http://schemas.microsoft.com/office/mac/drawingml/2011/main" xmlns:a14="http://schemas.microsoft.com/office/drawing/2010/main" xmlns:m="http://schemas.openxmlformats.org/officeDocument/2006/math" xmlns="" val="1"/>
             </a:ext>
           </a:extLst>
         </p:spPr>
@@ -8329,7 +8329,7 @@
           </a:effectLst>
           <a:extLst>
             <a:ext uri="{C572A759-6A51-4108-AA02-DFA0A04FC94B}">
-              <ma14:wrappingTextBoxFlag xmlns="" xmlns:m="http://schemas.openxmlformats.org/officeDocument/2006/math" xmlns:a14="http://schemas.microsoft.com/office/drawing/2010/main" xmlns:ma14="http://schemas.microsoft.com/office/mac/drawingml/2011/main" val="1"/>
+              <ma14:wrappingTextBoxFlag xmlns:ma14="http://schemas.microsoft.com/office/mac/drawingml/2011/main" xmlns:a14="http://schemas.microsoft.com/office/drawing/2010/main" xmlns:m="http://schemas.openxmlformats.org/officeDocument/2006/math" xmlns="" val="1"/>
             </a:ext>
           </a:extLst>
         </p:spPr>
@@ -8416,7 +8416,7 @@
           </a:ln>
           <a:extLst>
             <a:ext uri="{C572A759-6A51-4108-AA02-DFA0A04FC94B}">
-              <ma14:wrappingTextBoxFlag xmlns="" xmlns:m="http://schemas.openxmlformats.org/officeDocument/2006/math" xmlns:a14="http://schemas.microsoft.com/office/drawing/2010/main" xmlns:ma14="http://schemas.microsoft.com/office/mac/drawingml/2011/main" val="1"/>
+              <ma14:wrappingTextBoxFlag xmlns:ma14="http://schemas.microsoft.com/office/mac/drawingml/2011/main" xmlns:a14="http://schemas.microsoft.com/office/drawing/2010/main" xmlns:m="http://schemas.openxmlformats.org/officeDocument/2006/math" xmlns="" val="1"/>
             </a:ext>
           </a:extLst>
         </p:spPr>
@@ -8496,7 +8496,7 @@
           </a:ln>
           <a:extLst>
             <a:ext uri="{C572A759-6A51-4108-AA02-DFA0A04FC94B}">
-              <ma14:wrappingTextBoxFlag xmlns="" xmlns:m="http://schemas.openxmlformats.org/officeDocument/2006/math" xmlns:a14="http://schemas.microsoft.com/office/drawing/2010/main" xmlns:ma14="http://schemas.microsoft.com/office/mac/drawingml/2011/main" val="1"/>
+              <ma14:wrappingTextBoxFlag xmlns:ma14="http://schemas.microsoft.com/office/mac/drawingml/2011/main" xmlns:a14="http://schemas.microsoft.com/office/drawing/2010/main" xmlns:m="http://schemas.openxmlformats.org/officeDocument/2006/math" xmlns="" val="1"/>
             </a:ext>
           </a:extLst>
         </p:spPr>
@@ -8551,7 +8551,7 @@
           </a:ln>
           <a:extLst>
             <a:ext uri="{C572A759-6A51-4108-AA02-DFA0A04FC94B}">
-              <ma14:wrappingTextBoxFlag xmlns="" xmlns:m="http://schemas.openxmlformats.org/officeDocument/2006/math" xmlns:a14="http://schemas.microsoft.com/office/drawing/2010/main" xmlns:ma14="http://schemas.microsoft.com/office/mac/drawingml/2011/main" val="1"/>
+              <ma14:wrappingTextBoxFlag xmlns:ma14="http://schemas.microsoft.com/office/mac/drawingml/2011/main" xmlns:a14="http://schemas.microsoft.com/office/drawing/2010/main" xmlns:m="http://schemas.openxmlformats.org/officeDocument/2006/math" xmlns="" val="1"/>
             </a:ext>
           </a:extLst>
         </p:spPr>
@@ -8772,7 +8772,7 @@
           </a:ln>
           <a:extLst>
             <a:ext uri="{C572A759-6A51-4108-AA02-DFA0A04FC94B}">
-              <ma14:wrappingTextBoxFlag xmlns="" xmlns:m="http://schemas.openxmlformats.org/officeDocument/2006/math" xmlns:a14="http://schemas.microsoft.com/office/drawing/2010/main" xmlns:ma14="http://schemas.microsoft.com/office/mac/drawingml/2011/main" val="1"/>
+              <ma14:wrappingTextBoxFlag xmlns:ma14="http://schemas.microsoft.com/office/mac/drawingml/2011/main" xmlns:a14="http://schemas.microsoft.com/office/drawing/2010/main" xmlns:m="http://schemas.openxmlformats.org/officeDocument/2006/math" xmlns="" val="1"/>
             </a:ext>
           </a:extLst>
         </p:spPr>
@@ -8882,7 +8882,7 @@
           </a:ln>
           <a:extLst>
             <a:ext uri="{C572A759-6A51-4108-AA02-DFA0A04FC94B}">
-              <ma14:wrappingTextBoxFlag xmlns="" xmlns:m="http://schemas.openxmlformats.org/officeDocument/2006/math" xmlns:a14="http://schemas.microsoft.com/office/drawing/2010/main" xmlns:ma14="http://schemas.microsoft.com/office/mac/drawingml/2011/main" val="1"/>
+              <ma14:wrappingTextBoxFlag xmlns:ma14="http://schemas.microsoft.com/office/mac/drawingml/2011/main" xmlns:a14="http://schemas.microsoft.com/office/drawing/2010/main" xmlns:m="http://schemas.openxmlformats.org/officeDocument/2006/math" xmlns="" val="1"/>
             </a:ext>
           </a:extLst>
         </p:spPr>
@@ -8946,7 +8946,7 @@
           </a:effectLst>
           <a:extLst>
             <a:ext uri="{C572A759-6A51-4108-AA02-DFA0A04FC94B}">
-              <ma14:wrappingTextBoxFlag xmlns="" xmlns:m="http://schemas.openxmlformats.org/officeDocument/2006/math" xmlns:a14="http://schemas.microsoft.com/office/drawing/2010/main" xmlns:ma14="http://schemas.microsoft.com/office/mac/drawingml/2011/main" val="1"/>
+              <ma14:wrappingTextBoxFlag xmlns:ma14="http://schemas.microsoft.com/office/mac/drawingml/2011/main" xmlns:a14="http://schemas.microsoft.com/office/drawing/2010/main" xmlns:m="http://schemas.openxmlformats.org/officeDocument/2006/math" xmlns="" val="1"/>
             </a:ext>
           </a:extLst>
         </p:spPr>
@@ -9125,7 +9125,7 @@
           </a:ln>
           <a:extLst>
             <a:ext uri="{C572A759-6A51-4108-AA02-DFA0A04FC94B}">
-              <ma14:wrappingTextBoxFlag xmlns="" xmlns:m="http://schemas.openxmlformats.org/officeDocument/2006/math" xmlns:a14="http://schemas.microsoft.com/office/drawing/2010/main" xmlns:ma14="http://schemas.microsoft.com/office/mac/drawingml/2011/main" val="1"/>
+              <ma14:wrappingTextBoxFlag xmlns:ma14="http://schemas.microsoft.com/office/mac/drawingml/2011/main" xmlns:a14="http://schemas.microsoft.com/office/drawing/2010/main" xmlns:m="http://schemas.openxmlformats.org/officeDocument/2006/math" xmlns="" val="1"/>
             </a:ext>
           </a:extLst>
         </p:spPr>
@@ -9338,7 +9338,7 @@
           </a:ln>
           <a:extLst>
             <a:ext uri="{C572A759-6A51-4108-AA02-DFA0A04FC94B}">
-              <ma14:wrappingTextBoxFlag xmlns="" xmlns:m="http://schemas.openxmlformats.org/officeDocument/2006/math" xmlns:a14="http://schemas.microsoft.com/office/drawing/2010/main" xmlns:ma14="http://schemas.microsoft.com/office/mac/drawingml/2011/main" val="1"/>
+              <ma14:wrappingTextBoxFlag xmlns:ma14="http://schemas.microsoft.com/office/mac/drawingml/2011/main" xmlns:a14="http://schemas.microsoft.com/office/drawing/2010/main" xmlns:m="http://schemas.openxmlformats.org/officeDocument/2006/math" xmlns="" val="1"/>
             </a:ext>
           </a:extLst>
         </p:spPr>
@@ -9391,11 +9391,7 @@
             </a:r>
             <a:r>
               <a:rPr lang="en-US" sz="1400" b="0" dirty="0" smtClean="0"/>
-              <a:t>group </a:t>
-            </a:r>
-            <a:r>
-              <a:rPr lang="en-US" sz="1400" b="0" dirty="0" smtClean="0"/>
-              <a:t>the input dataset by a particular column and perform aggregate functions</a:t>
+              <a:t>group the input dataset by a particular column and perform aggregate functions</a:t>
             </a:r>
             <a:endParaRPr sz="1400" b="0" dirty="0">
               <a:latin typeface="Times New Roman" pitchFamily="18" charset="0"/>
@@ -9424,7 +9420,7 @@
           </a:ln>
           <a:extLst>
             <a:ext uri="{C572A759-6A51-4108-AA02-DFA0A04FC94B}">
-              <ma14:wrappingTextBoxFlag xmlns="" xmlns:m="http://schemas.openxmlformats.org/officeDocument/2006/math" xmlns:a14="http://schemas.microsoft.com/office/drawing/2010/main" xmlns:ma14="http://schemas.microsoft.com/office/mac/drawingml/2011/main" val="1"/>
+              <ma14:wrappingTextBoxFlag xmlns:ma14="http://schemas.microsoft.com/office/mac/drawingml/2011/main" xmlns:a14="http://schemas.microsoft.com/office/drawing/2010/main" xmlns:m="http://schemas.openxmlformats.org/officeDocument/2006/math" xmlns="" val="1"/>
             </a:ext>
           </a:extLst>
         </p:spPr>
@@ -9516,7 +9512,7 @@
           </a:ln>
           <a:extLst>
             <a:ext uri="{C572A759-6A51-4108-AA02-DFA0A04FC94B}">
-              <ma14:wrappingTextBoxFlag xmlns="" xmlns:m="http://schemas.openxmlformats.org/officeDocument/2006/math" xmlns:a14="http://schemas.microsoft.com/office/drawing/2010/main" xmlns:ma14="http://schemas.microsoft.com/office/mac/drawingml/2011/main" val="1"/>
+              <ma14:wrappingTextBoxFlag xmlns:ma14="http://schemas.microsoft.com/office/mac/drawingml/2011/main" xmlns:a14="http://schemas.microsoft.com/office/drawing/2010/main" xmlns:m="http://schemas.openxmlformats.org/officeDocument/2006/math" xmlns="" val="1"/>
             </a:ext>
           </a:extLst>
         </p:spPr>
@@ -9608,7 +9604,7 @@
           </a:ln>
           <a:extLst>
             <a:ext uri="{C572A759-6A51-4108-AA02-DFA0A04FC94B}">
-              <ma14:wrappingTextBoxFlag xmlns="" xmlns:m="http://schemas.openxmlformats.org/officeDocument/2006/math" xmlns:a14="http://schemas.microsoft.com/office/drawing/2010/main" xmlns:ma14="http://schemas.microsoft.com/office/mac/drawingml/2011/main" val="1"/>
+              <ma14:wrappingTextBoxFlag xmlns:ma14="http://schemas.microsoft.com/office/mac/drawingml/2011/main" xmlns:a14="http://schemas.microsoft.com/office/drawing/2010/main" xmlns:m="http://schemas.openxmlformats.org/officeDocument/2006/math" xmlns="" val="1"/>
             </a:ext>
           </a:extLst>
         </p:spPr>
@@ -9700,7 +9696,7 @@
           </a:ln>
           <a:extLst>
             <a:ext uri="{C572A759-6A51-4108-AA02-DFA0A04FC94B}">
-              <ma14:wrappingTextBoxFlag xmlns="" xmlns:m="http://schemas.openxmlformats.org/officeDocument/2006/math" xmlns:a14="http://schemas.microsoft.com/office/drawing/2010/main" xmlns:ma14="http://schemas.microsoft.com/office/mac/drawingml/2011/main" val="1"/>
+              <ma14:wrappingTextBoxFlag xmlns:ma14="http://schemas.microsoft.com/office/mac/drawingml/2011/main" xmlns:a14="http://schemas.microsoft.com/office/drawing/2010/main" xmlns:m="http://schemas.openxmlformats.org/officeDocument/2006/math" xmlns="" val="1"/>
             </a:ext>
           </a:extLst>
         </p:spPr>
@@ -10036,7 +10032,7 @@
           </a:ln>
           <a:extLst>
             <a:ext uri="{C572A759-6A51-4108-AA02-DFA0A04FC94B}">
-              <ma14:wrappingTextBoxFlag xmlns="" xmlns:m="http://schemas.openxmlformats.org/officeDocument/2006/math" xmlns:a14="http://schemas.microsoft.com/office/drawing/2010/main" xmlns:ma14="http://schemas.microsoft.com/office/mac/drawingml/2011/main" val="1"/>
+              <ma14:wrappingTextBoxFlag xmlns:ma14="http://schemas.microsoft.com/office/mac/drawingml/2011/main" xmlns:a14="http://schemas.microsoft.com/office/drawing/2010/main" xmlns:m="http://schemas.openxmlformats.org/officeDocument/2006/math" xmlns="" val="1"/>
             </a:ext>
           </a:extLst>
         </p:spPr>
@@ -10134,7 +10130,7 @@
           </a:ln>
           <a:extLst>
             <a:ext uri="{C572A759-6A51-4108-AA02-DFA0A04FC94B}">
-              <ma14:wrappingTextBoxFlag xmlns="" xmlns:m="http://schemas.openxmlformats.org/officeDocument/2006/math" xmlns:a14="http://schemas.microsoft.com/office/drawing/2010/main" xmlns:ma14="http://schemas.microsoft.com/office/mac/drawingml/2011/main" val="1"/>
+              <ma14:wrappingTextBoxFlag xmlns:ma14="http://schemas.microsoft.com/office/mac/drawingml/2011/main" xmlns:a14="http://schemas.microsoft.com/office/drawing/2010/main" xmlns:m="http://schemas.openxmlformats.org/officeDocument/2006/math" xmlns="" val="1"/>
             </a:ext>
           </a:extLst>
         </p:spPr>
@@ -10172,11 +10168,6 @@
               </a:rPr>
               <a:t>TAB format.</a:t>
             </a:r>
-            <a:endParaRPr lang="de-DE" dirty="0" smtClean="0">
-              <a:latin typeface="Times New Roman" pitchFamily="18" charset="0"/>
-              <a:ea typeface="Arial Unicode MS" pitchFamily="34" charset="-128"/>
-              <a:cs typeface="Times New Roman" pitchFamily="18" charset="0"/>
-            </a:endParaRPr>
           </a:p>
           <a:p>
             <a:r>
@@ -10232,31 +10223,7 @@
                 <a:ea typeface="Arial Unicode MS" pitchFamily="34" charset="-128"/>
                 <a:cs typeface="Times New Roman" pitchFamily="18" charset="0"/>
               </a:rPr>
-              <a:t>: Mean, Median, </a:t>
-            </a:r>
-            <a:r>
-              <a:rPr lang="en-US" b="0" dirty="0" smtClean="0">
-                <a:latin typeface="Times New Roman" pitchFamily="18" charset="0"/>
-                <a:ea typeface="Arial Unicode MS" pitchFamily="34" charset="-128"/>
-                <a:cs typeface="Times New Roman" pitchFamily="18" charset="0"/>
-              </a:rPr>
-              <a:t>…Randomly </a:t>
-            </a:r>
-            <a:r>
-              <a:rPr lang="en-US" b="0" dirty="0" smtClean="0">
-                <a:latin typeface="Times New Roman" pitchFamily="18" charset="0"/>
-                <a:ea typeface="Arial Unicode MS" pitchFamily="34" charset="-128"/>
-                <a:cs typeface="Times New Roman" pitchFamily="18" charset="0"/>
-              </a:rPr>
-              <a:t>pick on any column(s</a:t>
-            </a:r>
-            <a:r>
-              <a:rPr lang="en-US" b="0" dirty="0" smtClean="0">
-                <a:latin typeface="Times New Roman" pitchFamily="18" charset="0"/>
-                <a:ea typeface="Arial Unicode MS" pitchFamily="34" charset="-128"/>
-                <a:cs typeface="Times New Roman" pitchFamily="18" charset="0"/>
-              </a:rPr>
-              <a:t>). etc  Possible to </a:t>
+              <a:t>: Mean, Median, …Randomly pick on any column(s). etc  Possible to </a:t>
             </a:r>
             <a:r>
               <a:rPr lang="en-US" dirty="0" smtClean="0">
@@ -10307,7 +10274,7 @@
           </a:ln>
           <a:extLst>
             <a:ext uri="{C572A759-6A51-4108-AA02-DFA0A04FC94B}">
-              <ma14:wrappingTextBoxFlag xmlns="" xmlns:m="http://schemas.openxmlformats.org/officeDocument/2006/math" xmlns:a14="http://schemas.microsoft.com/office/drawing/2010/main" xmlns:ma14="http://schemas.microsoft.com/office/mac/drawingml/2011/main" val="1"/>
+              <ma14:wrappingTextBoxFlag xmlns:ma14="http://schemas.microsoft.com/office/mac/drawingml/2011/main" xmlns:a14="http://schemas.microsoft.com/office/drawing/2010/main" xmlns:m="http://schemas.openxmlformats.org/officeDocument/2006/math" xmlns="" val="1"/>
             </a:ext>
           </a:extLst>
         </p:spPr>
@@ -10338,11 +10305,7 @@
             </a:r>
             <a:r>
               <a:rPr lang="en-US" dirty="0" smtClean="0"/>
-              <a:t>TAB </a:t>
-            </a:r>
-            <a:r>
-              <a:rPr lang="en-US" dirty="0" smtClean="0"/>
-              <a:t>format</a:t>
+              <a:t>TAB format</a:t>
             </a:r>
             <a:endParaRPr lang="en-US" dirty="0"/>
           </a:p>
@@ -10375,7 +10338,7 @@
           </a:effectLst>
           <a:extLst>
             <a:ext uri="{C572A759-6A51-4108-AA02-DFA0A04FC94B}">
-              <ma14:wrappingTextBoxFlag xmlns="" xmlns:m="http://schemas.openxmlformats.org/officeDocument/2006/math" xmlns:a14="http://schemas.microsoft.com/office/drawing/2010/main" xmlns:ma14="http://schemas.microsoft.com/office/mac/drawingml/2011/main" val="1"/>
+              <ma14:wrappingTextBoxFlag xmlns:ma14="http://schemas.microsoft.com/office/mac/drawingml/2011/main" xmlns:a14="http://schemas.microsoft.com/office/drawing/2010/main" xmlns:m="http://schemas.openxmlformats.org/officeDocument/2006/math" xmlns="" val="1"/>
             </a:ext>
           </a:extLst>
         </p:spPr>
@@ -10399,15 +10362,7 @@
           <a:p>
             <a:r>
               <a:rPr lang="en-US" sz="1400" dirty="0" smtClean="0"/>
-              <a:t>To group </a:t>
-            </a:r>
-            <a:r>
-              <a:rPr lang="en-US" sz="1400" dirty="0" smtClean="0"/>
-              <a:t>the table by chromosome and count the number of genes with peaks on each </a:t>
-            </a:r>
-            <a:r>
-              <a:rPr lang="en-US" sz="1400" dirty="0" smtClean="0"/>
-              <a:t>chromosome</a:t>
+              <a:t>To group the table by chromosome and count the number of genes with peaks on each chromosome</a:t>
             </a:r>
             <a:endParaRPr lang="en-US" sz="1400" dirty="0"/>
           </a:p>
@@ -10515,7 +10470,7 @@
           </a:ln>
           <a:extLst>
             <a:ext uri="{C572A759-6A51-4108-AA02-DFA0A04FC94B}">
-              <ma14:wrappingTextBoxFlag xmlns="" xmlns:m="http://schemas.openxmlformats.org/officeDocument/2006/math" xmlns:a14="http://schemas.microsoft.com/office/drawing/2010/main" xmlns:ma14="http://schemas.microsoft.com/office/mac/drawingml/2011/main" val="1"/>
+              <ma14:wrappingTextBoxFlag xmlns:ma14="http://schemas.microsoft.com/office/mac/drawingml/2011/main" xmlns:a14="http://schemas.microsoft.com/office/drawing/2010/main" xmlns:m="http://schemas.openxmlformats.org/officeDocument/2006/math" xmlns="" val="1"/>
             </a:ext>
           </a:extLst>
         </p:spPr>
@@ -10559,29 +10514,7 @@
                 <a:ea typeface="Arial Unicode MS" pitchFamily="34" charset="-128"/>
                 <a:cs typeface="Times New Roman" pitchFamily="18" charset="0"/>
               </a:rPr>
-              <a:t>Compute an expression for every row of a dataset and append </a:t>
-            </a:r>
-            <a:r>
-              <a:rPr lang="en-US" sz="1400" b="0" dirty="0" smtClean="0">
-                <a:solidFill>
-                  <a:srgbClr val="000000"/>
-                </a:solidFill>
-                <a:latin typeface="Times New Roman" pitchFamily="18" charset="0"/>
-                <a:ea typeface="Arial Unicode MS" pitchFamily="34" charset="-128"/>
-                <a:cs typeface="Times New Roman" pitchFamily="18" charset="0"/>
-              </a:rPr>
-              <a:t>the result as a new column (field)</a:t>
-            </a:r>
-            <a:r>
-              <a:rPr lang="en-US" sz="1400" b="0" dirty="0" smtClean="0">
-                <a:solidFill>
-                  <a:srgbClr val="000000"/>
-                </a:solidFill>
-                <a:latin typeface="Times New Roman" pitchFamily="18" charset="0"/>
-                <a:ea typeface="Arial Unicode MS" pitchFamily="34" charset="-128"/>
-                <a:cs typeface="Times New Roman" pitchFamily="18" charset="0"/>
-              </a:rPr>
-              <a:t> </a:t>
+              <a:t>Compute an expression for every row of a dataset and append the result as a new column (field) </a:t>
             </a:r>
             <a:endParaRPr lang="en-US" sz="1400" b="0" dirty="0">
               <a:solidFill>
@@ -10617,7 +10550,7 @@
           </a:ln>
           <a:extLst>
             <a:ext uri="{C572A759-6A51-4108-AA02-DFA0A04FC94B}">
-              <ma14:wrappingTextBoxFlag xmlns="" xmlns:m="http://schemas.openxmlformats.org/officeDocument/2006/math" xmlns:a14="http://schemas.microsoft.com/office/drawing/2010/main" xmlns:ma14="http://schemas.microsoft.com/office/mac/drawingml/2011/main" val="1"/>
+              <ma14:wrappingTextBoxFlag xmlns:ma14="http://schemas.microsoft.com/office/mac/drawingml/2011/main" xmlns:a14="http://schemas.microsoft.com/office/drawing/2010/main" xmlns:m="http://schemas.openxmlformats.org/officeDocument/2006/math" xmlns="" val="1"/>
             </a:ext>
           </a:extLst>
         </p:spPr>
@@ -10645,15 +10578,7 @@
                 <a:ea typeface="Arial Unicode MS" pitchFamily="34" charset="-128"/>
                 <a:cs typeface="Times New Roman" pitchFamily="18" charset="0"/>
               </a:rPr>
-              <a:t>TAB data </a:t>
-            </a:r>
-            <a:r>
-              <a:rPr lang="en-US" dirty="0" smtClean="0">
-                <a:latin typeface="Times New Roman" pitchFamily="18" charset="0"/>
-                <a:ea typeface="Arial Unicode MS" pitchFamily="34" charset="-128"/>
-                <a:cs typeface="Times New Roman" pitchFamily="18" charset="0"/>
-              </a:rPr>
-              <a:t> </a:t>
+              <a:t>TAB data  </a:t>
             </a:r>
           </a:p>
           <a:p>
@@ -10663,15 +10588,7 @@
                 <a:ea typeface="Arial Unicode MS" pitchFamily="34" charset="-128"/>
                 <a:cs typeface="Times New Roman" pitchFamily="18" charset="0"/>
               </a:rPr>
-              <a:t>Columns are referenced with c and a number. </a:t>
-            </a:r>
-            <a:r>
-              <a:rPr lang="en-US" b="0" dirty="0" smtClean="0">
-                <a:latin typeface="Times New Roman" pitchFamily="18" charset="0"/>
-                <a:ea typeface="Arial Unicode MS" pitchFamily="34" charset="-128"/>
-                <a:cs typeface="Times New Roman" pitchFamily="18" charset="0"/>
-              </a:rPr>
-              <a:t>For example, </a:t>
+              <a:t>Columns are referenced with c and a number. For example, </a:t>
             </a:r>
             <a:r>
               <a:rPr lang="en-US" dirty="0" smtClean="0">
@@ -10703,15 +10620,7 @@
                 <a:ea typeface="Arial Unicode MS" pitchFamily="34" charset="-128"/>
                 <a:cs typeface="Times New Roman" pitchFamily="18" charset="0"/>
               </a:rPr>
-              <a:t>of a tab-delimited </a:t>
-            </a:r>
-            <a:r>
-              <a:rPr lang="en-US" b="0" dirty="0" smtClean="0">
-                <a:latin typeface="Times New Roman" pitchFamily="18" charset="0"/>
-                <a:ea typeface="Arial Unicode MS" pitchFamily="34" charset="-128"/>
-                <a:cs typeface="Times New Roman" pitchFamily="18" charset="0"/>
-              </a:rPr>
-              <a:t>file. </a:t>
+              <a:t>of a tab-delimited file. </a:t>
             </a:r>
             <a:r>
               <a:rPr lang="en-US" dirty="0" smtClean="0">
@@ -10779,7 +10688,7 @@
           </a:effectLst>
           <a:extLst>
             <a:ext uri="{C572A759-6A51-4108-AA02-DFA0A04FC94B}">
-              <ma14:wrappingTextBoxFlag xmlns="" xmlns:m="http://schemas.openxmlformats.org/officeDocument/2006/math" xmlns:a14="http://schemas.microsoft.com/office/drawing/2010/main" xmlns:ma14="http://schemas.microsoft.com/office/mac/drawingml/2011/main" val="1"/>
+              <ma14:wrappingTextBoxFlag xmlns:ma14="http://schemas.microsoft.com/office/mac/drawingml/2011/main" xmlns:a14="http://schemas.microsoft.com/office/drawing/2010/main" xmlns:m="http://schemas.openxmlformats.org/officeDocument/2006/math" xmlns="" val="1"/>
             </a:ext>
           </a:extLst>
         </p:spPr>
@@ -10860,7 +10769,7 @@
           </a:ln>
           <a:extLst>
             <a:ext uri="{C572A759-6A51-4108-AA02-DFA0A04FC94B}">
-              <ma14:wrappingTextBoxFlag xmlns="" xmlns:m="http://schemas.openxmlformats.org/officeDocument/2006/math" xmlns:a14="http://schemas.microsoft.com/office/drawing/2010/main" xmlns:ma14="http://schemas.microsoft.com/office/mac/drawingml/2011/main" val="1"/>
+              <ma14:wrappingTextBoxFlag xmlns:ma14="http://schemas.microsoft.com/office/mac/drawingml/2011/main" xmlns:a14="http://schemas.microsoft.com/office/drawing/2010/main" xmlns:m="http://schemas.openxmlformats.org/officeDocument/2006/math" xmlns="" val="1"/>
             </a:ext>
           </a:extLst>
         </p:spPr>
@@ -11043,7 +10952,7 @@
           </a:ln>
           <a:extLst>
             <a:ext uri="{C572A759-6A51-4108-AA02-DFA0A04FC94B}">
-              <ma14:wrappingTextBoxFlag xmlns="" xmlns:m="http://schemas.openxmlformats.org/officeDocument/2006/math" xmlns:a14="http://schemas.microsoft.com/office/drawing/2010/main" xmlns:ma14="http://schemas.microsoft.com/office/mac/drawingml/2011/main" val="1"/>
+              <ma14:wrappingTextBoxFlag xmlns:ma14="http://schemas.microsoft.com/office/mac/drawingml/2011/main" xmlns:a14="http://schemas.microsoft.com/office/drawing/2010/main" xmlns:m="http://schemas.openxmlformats.org/officeDocument/2006/math" xmlns="" val="1"/>
             </a:ext>
           </a:extLst>
         </p:spPr>
@@ -11183,7 +11092,7 @@
           </a:ln>
           <a:extLst>
             <a:ext uri="{C572A759-6A51-4108-AA02-DFA0A04FC94B}">
-              <ma14:wrappingTextBoxFlag xmlns="" xmlns:m="http://schemas.openxmlformats.org/officeDocument/2006/math" xmlns:a14="http://schemas.microsoft.com/office/drawing/2010/main" xmlns:ma14="http://schemas.microsoft.com/office/mac/drawingml/2011/main" val="1"/>
+              <ma14:wrappingTextBoxFlag xmlns:ma14="http://schemas.microsoft.com/office/mac/drawingml/2011/main" xmlns:a14="http://schemas.microsoft.com/office/drawing/2010/main" xmlns:m="http://schemas.openxmlformats.org/officeDocument/2006/math" xmlns="" val="1"/>
             </a:ext>
           </a:extLst>
         </p:spPr>
@@ -11266,18 +11175,7 @@
                 <a:ea typeface="Arial Unicode MS" pitchFamily="34" charset="-128"/>
                 <a:cs typeface="Times New Roman" pitchFamily="18" charset="0"/>
               </a:rPr>
-              <a:t>To </a:t>
-            </a:r>
-            <a:r>
-              <a:rPr lang="en-US" dirty="0" smtClean="0">
-                <a:solidFill>
-                  <a:srgbClr val="C00000"/>
-                </a:solidFill>
-                <a:latin typeface="Times New Roman" pitchFamily="18" charset="0"/>
-                <a:ea typeface="Arial Unicode MS" pitchFamily="34" charset="-128"/>
-                <a:cs typeface="Times New Roman" pitchFamily="18" charset="0"/>
-              </a:rPr>
-              <a:t>re-establish </a:t>
+              <a:t>To re-establish </a:t>
             </a:r>
             <a:r>
               <a:rPr lang="en-US" b="0" dirty="0" smtClean="0">
@@ -11288,18 +11186,7 @@
                 <a:ea typeface="Arial Unicode MS" pitchFamily="34" charset="-128"/>
                 <a:cs typeface="Times New Roman" pitchFamily="18" charset="0"/>
               </a:rPr>
-              <a:t>column </a:t>
-            </a:r>
-            <a:r>
-              <a:rPr lang="en-US" b="0" dirty="0" smtClean="0">
-                <a:solidFill>
-                  <a:srgbClr val="C00000"/>
-                </a:solidFill>
-                <a:latin typeface="Times New Roman" pitchFamily="18" charset="0"/>
-                <a:ea typeface="Arial Unicode MS" pitchFamily="34" charset="-128"/>
-                <a:cs typeface="Times New Roman" pitchFamily="18" charset="0"/>
-              </a:rPr>
-              <a:t>assignments</a:t>
+              <a:t>column assignments</a:t>
             </a:r>
           </a:p>
           <a:p>
@@ -11336,29 +11223,7 @@
                 <a:ea typeface="Arial Unicode MS" pitchFamily="34" charset="-128"/>
                 <a:cs typeface="Times New Roman" pitchFamily="18" charset="0"/>
               </a:rPr>
-              <a:t> in </a:t>
-            </a:r>
-            <a:r>
-              <a:rPr lang="en-US" b="0" dirty="0" smtClean="0">
-                <a:solidFill>
-                  <a:srgbClr val="000000"/>
-                </a:solidFill>
-                <a:latin typeface="Times New Roman" pitchFamily="18" charset="0"/>
-                <a:ea typeface="Arial Unicode MS" pitchFamily="34" charset="-128"/>
-                <a:cs typeface="Times New Roman" pitchFamily="18" charset="0"/>
-              </a:rPr>
-              <a:t>the latest </a:t>
-            </a:r>
-            <a:r>
-              <a:rPr lang="en-US" b="0" dirty="0" smtClean="0">
-                <a:solidFill>
-                  <a:srgbClr val="000000"/>
-                </a:solidFill>
-                <a:latin typeface="Times New Roman" pitchFamily="18" charset="0"/>
-                <a:ea typeface="Arial Unicode MS" pitchFamily="34" charset="-128"/>
-                <a:cs typeface="Times New Roman" pitchFamily="18" charset="0"/>
-              </a:rPr>
-              <a:t>history item.</a:t>
+              <a:t> in the latest history item.</a:t>
             </a:r>
             <a:endParaRPr lang="ru-RU" b="0" dirty="0" smtClean="0">
               <a:solidFill>
@@ -11401,7 +11266,7 @@
           </a:ln>
           <a:extLst>
             <a:ext uri="{C572A759-6A51-4108-AA02-DFA0A04FC94B}">
-              <ma14:wrappingTextBoxFlag xmlns="" xmlns:m="http://schemas.openxmlformats.org/officeDocument/2006/math" xmlns:a14="http://schemas.microsoft.com/office/drawing/2010/main" xmlns:ma14="http://schemas.microsoft.com/office/mac/drawingml/2011/main" val="1"/>
+              <ma14:wrappingTextBoxFlag xmlns:ma14="http://schemas.microsoft.com/office/mac/drawingml/2011/main" xmlns:a14="http://schemas.microsoft.com/office/drawing/2010/main" xmlns:m="http://schemas.openxmlformats.org/officeDocument/2006/math" xmlns="" val="1"/>
             </a:ext>
           </a:extLst>
         </p:spPr>
@@ -11432,18 +11297,7 @@
                 <a:ea typeface="Arial Unicode MS" pitchFamily="34" charset="-128"/>
                 <a:cs typeface="Times New Roman" pitchFamily="18" charset="0"/>
               </a:rPr>
-              <a:t>This tool breaks column assignments</a:t>
-            </a:r>
-            <a:r>
-              <a:rPr lang="en-US" dirty="0" smtClean="0">
-                <a:solidFill>
-                  <a:srgbClr val="C00000"/>
-                </a:solidFill>
-                <a:latin typeface="Times New Roman" pitchFamily="18" charset="0"/>
-                <a:ea typeface="Arial Unicode MS" pitchFamily="34" charset="-128"/>
-                <a:cs typeface="Times New Roman" pitchFamily="18" charset="0"/>
-              </a:rPr>
-              <a:t>. </a:t>
+              <a:t>This tool breaks column assignments. </a:t>
             </a:r>
             <a:r>
               <a:rPr lang="en-US" dirty="0" smtClean="0">
@@ -11495,15 +11349,7 @@
                 <a:ea typeface="Arial Unicode MS" pitchFamily="34" charset="-128"/>
                 <a:cs typeface="Times New Roman" pitchFamily="18" charset="0"/>
               </a:rPr>
-              <a:t>Cut </a:t>
-            </a:r>
-            <a:r>
-              <a:rPr lang="en-US" dirty="0" smtClean="0">
-                <a:latin typeface="Times New Roman" pitchFamily="18" charset="0"/>
-                <a:ea typeface="Arial Unicode MS" pitchFamily="34" charset="-128"/>
-                <a:cs typeface="Times New Roman" pitchFamily="18" charset="0"/>
-              </a:rPr>
-              <a:t>columns </a:t>
+              <a:t>Cut columns </a:t>
             </a:r>
             <a:r>
               <a:rPr lang="en-US" b="0" dirty="0" smtClean="0">
@@ -11519,15 +11365,7 @@
                 <a:ea typeface="Arial Unicode MS" pitchFamily="34" charset="-128"/>
                 <a:cs typeface="Times New Roman" pitchFamily="18" charset="0"/>
               </a:rPr>
-              <a:t>Delimited</a:t>
-            </a:r>
-            <a:r>
-              <a:rPr lang="en-US" dirty="0" smtClean="0">
-                <a:latin typeface="Times New Roman" pitchFamily="18" charset="0"/>
-                <a:ea typeface="Arial Unicode MS" pitchFamily="34" charset="-128"/>
-                <a:cs typeface="Times New Roman" pitchFamily="18" charset="0"/>
-              </a:rPr>
-              <a:t> by</a:t>
+              <a:t>Delimited by</a:t>
             </a:r>
             <a:r>
               <a:rPr lang="en-US" b="0" dirty="0" smtClean="0">
@@ -11535,15 +11373,7 @@
                 <a:ea typeface="Arial Unicode MS" pitchFamily="34" charset="-128"/>
                 <a:cs typeface="Times New Roman" pitchFamily="18" charset="0"/>
               </a:rPr>
-              <a:t> Tab | Whitespace | Dot | Comma </a:t>
-            </a:r>
-            <a:r>
-              <a:rPr lang="en-US" b="0" dirty="0" smtClean="0">
-                <a:latin typeface="Times New Roman" pitchFamily="18" charset="0"/>
-                <a:ea typeface="Arial Unicode MS" pitchFamily="34" charset="-128"/>
-                <a:cs typeface="Times New Roman" pitchFamily="18" charset="0"/>
-              </a:rPr>
-              <a:t>etc. </a:t>
+              <a:t> Tab | Whitespace | Dot | Comma etc. </a:t>
             </a:r>
             <a:endParaRPr lang="ru-RU" b="0" dirty="0" smtClean="0">
               <a:latin typeface="Times New Roman" pitchFamily="18" charset="0"/>
@@ -11588,7 +11418,7 @@
           </a:ln>
           <a:extLst>
             <a:ext uri="{C572A759-6A51-4108-AA02-DFA0A04FC94B}">
-              <ma14:wrappingTextBoxFlag xmlns="" xmlns:m="http://schemas.openxmlformats.org/officeDocument/2006/math" xmlns:a14="http://schemas.microsoft.com/office/drawing/2010/main" xmlns:ma14="http://schemas.microsoft.com/office/mac/drawingml/2011/main" val="1"/>
+              <ma14:wrappingTextBoxFlag xmlns:ma14="http://schemas.microsoft.com/office/mac/drawingml/2011/main" xmlns:a14="http://schemas.microsoft.com/office/drawing/2010/main" xmlns:m="http://schemas.openxmlformats.org/officeDocument/2006/math" xmlns="" val="1"/>
             </a:ext>
           </a:extLst>
         </p:spPr>
@@ -11946,19 +11776,7 @@
               <a:rPr lang="en-US" sz="1400" dirty="0" smtClean="0">
                 <a:hlinkClick r:id="rId7" tooltip="Go to &quot;Joins lines of two datasets on a common field&quot; tool"/>
               </a:rPr>
-              <a:t>Join two </a:t>
-            </a:r>
-            <a:r>
-              <a:rPr lang="en-US" sz="1400" dirty="0" smtClean="0">
-                <a:hlinkClick r:id="rId7" tooltip="Go to &quot;Joins lines of two datasets on a common field&quot; tool"/>
-              </a:rPr>
-              <a:t>Datasets</a:t>
-            </a:r>
-            <a:r>
-              <a:rPr lang="en-US" sz="1400" dirty="0" smtClean="0">
-                <a:hlinkClick r:id="rId7" tooltip="Go to &quot;Joins lines of two datasets on a common field&quot; tool"/>
-              </a:rPr>
-              <a:t> </a:t>
+              <a:t>Join two Datasets </a:t>
             </a:r>
             <a:endParaRPr lang="ru-RU" sz="1400" dirty="0" smtClean="0"/>
           </a:p>
@@ -11989,7 +11807,7 @@
           </a:ln>
           <a:extLst>
             <a:ext uri="{C572A759-6A51-4108-AA02-DFA0A04FC94B}">
-              <ma14:wrappingTextBoxFlag xmlns="" xmlns:m="http://schemas.openxmlformats.org/officeDocument/2006/math" xmlns:a14="http://schemas.microsoft.com/office/drawing/2010/main" xmlns:ma14="http://schemas.microsoft.com/office/mac/drawingml/2011/main" val="1"/>
+              <ma14:wrappingTextBoxFlag xmlns:ma14="http://schemas.microsoft.com/office/mac/drawingml/2011/main" xmlns:a14="http://schemas.microsoft.com/office/drawing/2010/main" xmlns:m="http://schemas.openxmlformats.org/officeDocument/2006/math" xmlns="" val="1"/>
             </a:ext>
           </a:extLst>
         </p:spPr>
@@ -12033,18 +11851,7 @@
                 <a:ea typeface="Arial Unicode MS" pitchFamily="34" charset="-128"/>
                 <a:cs typeface="Times New Roman" pitchFamily="18" charset="0"/>
               </a:rPr>
-              <a:t>Join  </a:t>
-            </a:r>
-            <a:r>
-              <a:rPr lang="en-US" sz="1400" b="0" dirty="0" smtClean="0">
-                <a:solidFill>
-                  <a:srgbClr val="000000"/>
-                </a:solidFill>
-                <a:latin typeface="Times New Roman" pitchFamily="18" charset="0"/>
-                <a:ea typeface="Arial Unicode MS" pitchFamily="34" charset="-128"/>
-                <a:cs typeface="Times New Roman" pitchFamily="18" charset="0"/>
-              </a:rPr>
-              <a:t>lines of two datasets on a common field. </a:t>
+              <a:t>Join  lines of two datasets on a common field. </a:t>
             </a:r>
             <a:endParaRPr lang="ru-RU" sz="1400" b="0" dirty="0" smtClean="0">
               <a:solidFill>
@@ -12080,7 +11887,7 @@
           </a:ln>
           <a:extLst>
             <a:ext uri="{C572A759-6A51-4108-AA02-DFA0A04FC94B}">
-              <ma14:wrappingTextBoxFlag xmlns="" xmlns:m="http://schemas.openxmlformats.org/officeDocument/2006/math" xmlns:a14="http://schemas.microsoft.com/office/drawing/2010/main" xmlns:ma14="http://schemas.microsoft.com/office/mac/drawingml/2011/main" val="1"/>
+              <ma14:wrappingTextBoxFlag xmlns:ma14="http://schemas.microsoft.com/office/mac/drawingml/2011/main" xmlns:a14="http://schemas.microsoft.com/office/drawing/2010/main" xmlns:m="http://schemas.openxmlformats.org/officeDocument/2006/math" xmlns="" val="1"/>
             </a:ext>
           </a:extLst>
         </p:spPr>
@@ -12110,37 +11917,7 @@
                   </a:schemeClr>
                 </a:solidFill>
               </a:rPr>
-              <a:t>This tool will force the </a:t>
-            </a:r>
-            <a:r>
-              <a:rPr lang="en-US" dirty="0" smtClean="0">
-                <a:solidFill>
-                  <a:schemeClr val="accent5">
-                    <a:lumMod val="75000"/>
-                  </a:schemeClr>
-                </a:solidFill>
-              </a:rPr>
-              <a:t>output data type </a:t>
-            </a:r>
-            <a:r>
-              <a:rPr lang="en-US" dirty="0" smtClean="0">
-                <a:solidFill>
-                  <a:schemeClr val="accent5">
-                    <a:lumMod val="75000"/>
-                  </a:schemeClr>
-                </a:solidFill>
-              </a:rPr>
-              <a:t>to tabular.  </a:t>
-            </a:r>
-            <a:r>
-              <a:rPr lang="en-US" dirty="0" smtClean="0">
-                <a:solidFill>
-                  <a:schemeClr val="accent5">
-                    <a:lumMod val="75000"/>
-                  </a:schemeClr>
-                </a:solidFill>
-              </a:rPr>
-              <a:t> </a:t>
+              <a:t>This tool will force the output data type to tabular.   </a:t>
             </a:r>
             <a:r>
               <a:rPr lang="en-US" dirty="0" smtClean="0">
@@ -12156,15 +11933,7 @@
                   <a:schemeClr val="tx1"/>
                 </a:solidFill>
               </a:rPr>
-              <a:t>are</a:t>
-            </a:r>
-            <a:r>
-              <a:rPr lang="en-US" b="0" dirty="0" smtClean="0">
-                <a:solidFill>
-                  <a:schemeClr val="tx1"/>
-                </a:solidFill>
-              </a:rPr>
-              <a:t> </a:t>
+              <a:t>are </a:t>
             </a:r>
             <a:r>
               <a:rPr lang="en-US" b="0" dirty="0" smtClean="0">
@@ -12180,15 +11949,7 @@
                 <a:ea typeface="Arial Unicode MS" pitchFamily="34" charset="-128"/>
                 <a:cs typeface="Times New Roman" pitchFamily="18" charset="0"/>
               </a:rPr>
-              <a:t>TAB </a:t>
-            </a:r>
-            <a:r>
-              <a:rPr lang="en-US" dirty="0" smtClean="0">
-                <a:latin typeface="Times New Roman" pitchFamily="18" charset="0"/>
-                <a:ea typeface="Arial Unicode MS" pitchFamily="34" charset="-128"/>
-                <a:cs typeface="Times New Roman" pitchFamily="18" charset="0"/>
-              </a:rPr>
-              <a:t>format, to join set  </a:t>
+              <a:t>TAB format, to join set  </a:t>
             </a:r>
             <a:r>
               <a:rPr lang="en-US" b="0" dirty="0" smtClean="0">
@@ -12242,7 +12003,7 @@
           </a:ln>
           <a:extLst>
             <a:ext uri="{C572A759-6A51-4108-AA02-DFA0A04FC94B}">
-              <ma14:wrappingTextBoxFlag xmlns="" xmlns:m="http://schemas.openxmlformats.org/officeDocument/2006/math" xmlns:a14="http://schemas.microsoft.com/office/drawing/2010/main" xmlns:ma14="http://schemas.microsoft.com/office/mac/drawingml/2011/main" val="1"/>
+              <ma14:wrappingTextBoxFlag xmlns:ma14="http://schemas.microsoft.com/office/mac/drawingml/2011/main" xmlns:a14="http://schemas.microsoft.com/office/drawing/2010/main" xmlns:m="http://schemas.openxmlformats.org/officeDocument/2006/math" xmlns="" val="1"/>
             </a:ext>
           </a:extLst>
         </p:spPr>
@@ -12344,7 +12105,7 @@
           </a:ln>
           <a:extLst>
             <a:ext uri="{C572A759-6A51-4108-AA02-DFA0A04FC94B}">
-              <ma14:wrappingTextBoxFlag xmlns="" xmlns:m="http://schemas.openxmlformats.org/officeDocument/2006/math" xmlns:a14="http://schemas.microsoft.com/office/drawing/2010/main" xmlns:ma14="http://schemas.microsoft.com/office/mac/drawingml/2011/main" val="1"/>
+              <ma14:wrappingTextBoxFlag xmlns:ma14="http://schemas.microsoft.com/office/mac/drawingml/2011/main" xmlns:a14="http://schemas.microsoft.com/office/drawing/2010/main" xmlns:m="http://schemas.openxmlformats.org/officeDocument/2006/math" xmlns="" val="1"/>
             </a:ext>
           </a:extLst>
         </p:spPr>
@@ -12388,40 +12149,7 @@
                 <a:ea typeface="Arial Unicode MS" pitchFamily="34" charset="-128"/>
                 <a:cs typeface="Times New Roman" pitchFamily="18" charset="0"/>
               </a:rPr>
-              <a:t>S</a:t>
-            </a:r>
-            <a:r>
-              <a:rPr lang="en-US" sz="1400" b="0" dirty="0" smtClean="0">
-                <a:solidFill>
-                  <a:srgbClr val="000000"/>
-                </a:solidFill>
-                <a:latin typeface="Times New Roman" pitchFamily="18" charset="0"/>
-                <a:ea typeface="Arial Unicode MS" pitchFamily="34" charset="-128"/>
-                <a:cs typeface="Times New Roman" pitchFamily="18" charset="0"/>
-              </a:rPr>
-              <a:t>ort </a:t>
-            </a:r>
-            <a:r>
-              <a:rPr lang="en-US" sz="1400" b="0" dirty="0" smtClean="0">
-                <a:solidFill>
-                  <a:srgbClr val="000000"/>
-                </a:solidFill>
-                <a:latin typeface="Times New Roman" pitchFamily="18" charset="0"/>
-                <a:ea typeface="Arial Unicode MS" pitchFamily="34" charset="-128"/>
-                <a:cs typeface="Times New Roman" pitchFamily="18" charset="0"/>
-              </a:rPr>
-              <a:t>the input </a:t>
-            </a:r>
-            <a:r>
-              <a:rPr lang="en-US" sz="1400" b="0" dirty="0" smtClean="0">
-                <a:solidFill>
-                  <a:srgbClr val="000000"/>
-                </a:solidFill>
-                <a:latin typeface="Times New Roman" pitchFamily="18" charset="0"/>
-                <a:ea typeface="Arial Unicode MS" pitchFamily="34" charset="-128"/>
-                <a:cs typeface="Times New Roman" pitchFamily="18" charset="0"/>
-              </a:rPr>
-              <a:t>file in a specific order</a:t>
+              <a:t>Sort the input file in a specific order</a:t>
             </a:r>
             <a:endParaRPr lang="ru-RU" sz="1400" b="0" dirty="0" smtClean="0">
               <a:solidFill>
@@ -12459,7 +12187,7 @@
           </a:ln>
           <a:extLst>
             <a:ext uri="{C572A759-6A51-4108-AA02-DFA0A04FC94B}">
-              <ma14:wrappingTextBoxFlag xmlns="" xmlns:m="http://schemas.openxmlformats.org/officeDocument/2006/math" xmlns:a14="http://schemas.microsoft.com/office/drawing/2010/main" xmlns:ma14="http://schemas.microsoft.com/office/mac/drawingml/2011/main" val="1"/>
+              <ma14:wrappingTextBoxFlag xmlns:ma14="http://schemas.microsoft.com/office/mac/drawingml/2011/main" xmlns:a14="http://schemas.microsoft.com/office/drawing/2010/main" xmlns:m="http://schemas.openxmlformats.org/officeDocument/2006/math" xmlns="" val="1"/>
             </a:ext>
           </a:extLst>
         </p:spPr>
@@ -12560,7 +12288,7 @@
           </a:ln>
           <a:extLst>
             <a:ext uri="{C572A759-6A51-4108-AA02-DFA0A04FC94B}">
-              <ma14:wrappingTextBoxFlag xmlns="" xmlns:m="http://schemas.openxmlformats.org/officeDocument/2006/math" xmlns:a14="http://schemas.microsoft.com/office/drawing/2010/main" xmlns:ma14="http://schemas.microsoft.com/office/mac/drawingml/2011/main" val="1"/>
+              <ma14:wrappingTextBoxFlag xmlns:ma14="http://schemas.microsoft.com/office/mac/drawingml/2011/main" xmlns:a14="http://schemas.microsoft.com/office/drawing/2010/main" xmlns:m="http://schemas.openxmlformats.org/officeDocument/2006/math" xmlns="" val="1"/>
             </a:ext>
           </a:extLst>
         </p:spPr>
@@ -12616,11 +12344,7 @@
             </a:r>
             <a:r>
               <a:rPr lang="en-US" b="0" dirty="0" smtClean="0"/>
-              <a:t> in Ascending | Descending order  Flavor Fast numeric sort (-n), General numeric sort ( scientific notation -g),Natural/Version sort (-</a:t>
-            </a:r>
-            <a:r>
-              <a:rPr lang="en-US" b="0" dirty="0" smtClean="0"/>
-              <a:t>V) etc. </a:t>
+              <a:t> in Ascending | Descending order  Flavor Fast numeric sort (-n), General numeric sort ( scientific notation -g),Natural/Version sort (-V) etc. </a:t>
             </a:r>
             <a:endParaRPr lang="ru-RU" b="0" dirty="0" smtClean="0"/>
           </a:p>
@@ -12653,7 +12377,7 @@
           </a:effectLst>
           <a:extLst>
             <a:ext uri="{C572A759-6A51-4108-AA02-DFA0A04FC94B}">
-              <ma14:wrappingTextBoxFlag xmlns="" xmlns:m="http://schemas.openxmlformats.org/officeDocument/2006/math" xmlns:a14="http://schemas.microsoft.com/office/drawing/2010/main" xmlns:ma14="http://schemas.microsoft.com/office/mac/drawingml/2011/main" val="1"/>
+              <ma14:wrappingTextBoxFlag xmlns:ma14="http://schemas.microsoft.com/office/mac/drawingml/2011/main" xmlns:a14="http://schemas.microsoft.com/office/drawing/2010/main" xmlns:m="http://schemas.openxmlformats.org/officeDocument/2006/math" xmlns="" val="1"/>
             </a:ext>
           </a:extLst>
         </p:spPr>
@@ -12677,11 +12401,7 @@
           <a:p>
             <a:r>
               <a:rPr lang="en-US" sz="1400" dirty="0" smtClean="0"/>
-              <a:t>For listing unique genes that was unsorted</a:t>
-            </a:r>
-            <a:r>
-              <a:rPr lang="en-US" sz="1400" dirty="0" smtClean="0"/>
-              <a:t>.</a:t>
+              <a:t>For listing unique genes that was unsorted.</a:t>
             </a:r>
           </a:p>
           <a:p>
@@ -12804,7 +12524,7 @@
           </a:ln>
           <a:extLst>
             <a:ext uri="{C572A759-6A51-4108-AA02-DFA0A04FC94B}">
-              <ma14:wrappingTextBoxFlag xmlns="" xmlns:m="http://schemas.openxmlformats.org/officeDocument/2006/math" xmlns:a14="http://schemas.microsoft.com/office/drawing/2010/main" xmlns:ma14="http://schemas.microsoft.com/office/mac/drawingml/2011/main" val="1"/>
+              <ma14:wrappingTextBoxFlag xmlns:ma14="http://schemas.microsoft.com/office/mac/drawingml/2011/main" xmlns:a14="http://schemas.microsoft.com/office/drawing/2010/main" xmlns:m="http://schemas.openxmlformats.org/officeDocument/2006/math" xmlns="" val="1"/>
             </a:ext>
           </a:extLst>
         </p:spPr>
@@ -12932,7 +12652,7 @@
           <p:cNvPr id="83" name="Line">
             <a:extLst>
               <a:ext uri="{FF2B5EF4-FFF2-40B4-BE49-F238E27FC236}">
-                <a16:creationId xmlns:a16="http://schemas.microsoft.com/office/drawing/2014/main" xmlns="" id="{7668FFBE-924A-3044-A9A0-8EEB7253E34D}"/>
+                <a16:creationId xmlns="" xmlns:a16="http://schemas.microsoft.com/office/drawing/2014/main" id="{7668FFBE-924A-3044-A9A0-8EEB7253E34D}"/>
               </a:ext>
             </a:extLst>
           </p:cNvPr>
@@ -14005,44 +13725,6 @@
       </p:graphicFrame>
       <p:sp>
         <p:nvSpPr>
-          <p:cNvPr id="16389" name="AutoShape 5"/>
-          <p:cNvSpPr>
-            <a:spLocks noChangeShapeType="1"/>
-          </p:cNvSpPr>
-          <p:nvPr/>
-        </p:nvSpPr>
-        <p:spPr bwMode="auto">
-          <a:xfrm>
-            <a:off x="238125" y="85725"/>
-            <a:ext cx="247650" cy="0"/>
-          </a:xfrm>
-          <a:prstGeom prst="straightConnector1">
-            <a:avLst/>
-          </a:prstGeom>
-          <a:noFill/>
-          <a:ln w="9525">
-            <a:solidFill>
-              <a:srgbClr val="000000"/>
-            </a:solidFill>
-            <a:round/>
-            <a:headEnd/>
-            <a:tailEnd type="triangle" w="med" len="med"/>
-          </a:ln>
-        </p:spPr>
-        <p:txBody>
-          <a:bodyPr vert="horz" wrap="square" lIns="91440" tIns="45720" rIns="91440" bIns="45720" numCol="1" anchor="t" anchorCtr="0" compatLnSpc="1">
-            <a:prstTxWarp prst="textNoShape">
-              <a:avLst/>
-            </a:prstTxWarp>
-          </a:bodyPr>
-          <a:lstStyle/>
-          <a:p>
-            <a:endParaRPr lang="ru-RU"/>
-          </a:p>
-        </p:txBody>
-      </p:sp>
-      <p:sp>
-        <p:nvSpPr>
           <p:cNvPr id="86" name="Cheatsheets make it easy for R users…"/>
           <p:cNvSpPr txBox="1"/>
           <p:nvPr/>
@@ -14066,7 +13748,7 @@
           </a:ln>
           <a:extLst>
             <a:ext uri="{C572A759-6A51-4108-AA02-DFA0A04FC94B}">
-              <ma14:wrappingTextBoxFlag xmlns="" xmlns:m="http://schemas.openxmlformats.org/officeDocument/2006/math" xmlns:a14="http://schemas.microsoft.com/office/drawing/2010/main" xmlns:ma14="http://schemas.microsoft.com/office/mac/drawingml/2011/main" val="1"/>
+              <ma14:wrappingTextBoxFlag xmlns:ma14="http://schemas.microsoft.com/office/mac/drawingml/2011/main" xmlns:a14="http://schemas.microsoft.com/office/drawing/2010/main" xmlns:m="http://schemas.openxmlformats.org/officeDocument/2006/math" xmlns="" val="1"/>
             </a:ext>
           </a:extLst>
         </p:spPr>
@@ -14090,25 +13772,13 @@
           <a:p>
             <a:r>
               <a:rPr lang="en-US" dirty="0" smtClean="0"/>
-              <a:t>Input dataset </a:t>
-            </a:r>
+              <a:t>Input dataset c1,c2,c3,c4,c5,c6 . </a:t>
+            </a:r>
+          </a:p>
+          <a:p>
             <a:r>
               <a:rPr lang="en-US" dirty="0" smtClean="0"/>
-              <a:t>c1,c2,c3,c4,c5,c6 .</a:t>
-            </a:r>
-            <a:r>
-              <a:rPr lang="en-US" dirty="0" smtClean="0"/>
-              <a:t> </a:t>
-            </a:r>
-          </a:p>
-          <a:p>
-            <a:r>
-              <a:rPr lang="en-US" dirty="0" smtClean="0"/>
-              <a:t>E.g. cut</a:t>
-            </a:r>
-            <a:r>
-              <a:rPr lang="en-US" dirty="0" smtClean="0"/>
-              <a:t> on </a:t>
+              <a:t>E.g. cut on </a:t>
             </a:r>
             <a:r>
               <a:rPr lang="en-US" b="0" dirty="0" smtClean="0"/>
@@ -14116,11 +13786,7 @@
             </a:r>
             <a:r>
               <a:rPr lang="en-US" dirty="0" smtClean="0"/>
-              <a:t> "c6,c5,c4,c1" </a:t>
-            </a:r>
-            <a:r>
-              <a:rPr lang="en-US" dirty="0" smtClean="0"/>
-              <a:t> </a:t>
+              <a:t> "c6,c5,c4,c1"  </a:t>
             </a:r>
             <a:endParaRPr lang="ru-RU" dirty="0" smtClean="0"/>
           </a:p>
@@ -14768,7 +14434,7 @@
           </a:ln>
           <a:extLst>
             <a:ext uri="{C572A759-6A51-4108-AA02-DFA0A04FC94B}">
-              <ma14:wrappingTextBoxFlag xmlns="" xmlns:m="http://schemas.openxmlformats.org/officeDocument/2006/math" xmlns:a14="http://schemas.microsoft.com/office/drawing/2010/main" xmlns:ma14="http://schemas.microsoft.com/office/mac/drawingml/2011/main" val="1"/>
+              <ma14:wrappingTextBoxFlag xmlns:ma14="http://schemas.microsoft.com/office/mac/drawingml/2011/main" xmlns:a14="http://schemas.microsoft.com/office/drawing/2010/main" xmlns:m="http://schemas.openxmlformats.org/officeDocument/2006/math" xmlns="" val="1"/>
             </a:ext>
           </a:extLst>
         </p:spPr>
@@ -14864,18 +14530,7 @@
                 <a:ea typeface="Arial Unicode MS" pitchFamily="34" charset="-128"/>
                 <a:cs typeface="Times New Roman" pitchFamily="18" charset="0"/>
               </a:rPr>
-              <a:t>click on the "edit attributes" link of the history item generated by this tool. </a:t>
-            </a:r>
-            <a:r>
-              <a:rPr lang="en-US" b="0" dirty="0" smtClean="0">
-                <a:solidFill>
-                  <a:srgbClr val="000000"/>
-                </a:solidFill>
-                <a:latin typeface="Times New Roman" pitchFamily="18" charset="0"/>
-                <a:ea typeface="Arial Unicode MS" pitchFamily="34" charset="-128"/>
-                <a:cs typeface="Times New Roman" pitchFamily="18" charset="0"/>
-              </a:rPr>
-              <a:t> </a:t>
+              <a:t>click on the "edit attributes" link of the history item generated by this tool.  </a:t>
             </a:r>
             <a:endParaRPr lang="ru-RU" b="0" dirty="0" smtClean="0">
               <a:solidFill>
@@ -15397,7 +15052,7 @@
           </a:effectLst>
           <a:extLst>
             <a:ext uri="{C572A759-6A51-4108-AA02-DFA0A04FC94B}">
-              <ma14:wrappingTextBoxFlag xmlns="" xmlns:m="http://schemas.openxmlformats.org/officeDocument/2006/math" xmlns:a14="http://schemas.microsoft.com/office/drawing/2010/main" xmlns:ma14="http://schemas.microsoft.com/office/mac/drawingml/2011/main" val="1"/>
+              <ma14:wrappingTextBoxFlag xmlns:ma14="http://schemas.microsoft.com/office/mac/drawingml/2011/main" xmlns:a14="http://schemas.microsoft.com/office/drawing/2010/main" xmlns:m="http://schemas.openxmlformats.org/officeDocument/2006/math" xmlns="" val="1"/>
             </a:ext>
           </a:extLst>
         </p:spPr>
@@ -15429,11 +15084,7 @@
             </a:r>
             <a:r>
               <a:rPr lang="en-US" sz="1400" dirty="0" smtClean="0"/>
-              <a:t> Gene identifiers in the </a:t>
-            </a:r>
-            <a:r>
-              <a:rPr lang="en-US" sz="1400" dirty="0" smtClean="0"/>
-              <a:t>table</a:t>
+              <a:t> Gene identifiers in the table</a:t>
             </a:r>
           </a:p>
           <a:p>
@@ -16730,7 +16381,7 @@
           <p:cNvPr id="97" name="Line">
             <a:extLst>
               <a:ext uri="{FF2B5EF4-FFF2-40B4-BE49-F238E27FC236}">
-                <a16:creationId xmlns:a16="http://schemas.microsoft.com/office/drawing/2014/main" xmlns="" id="{7668FFBE-924A-3044-A9A0-8EEB7253E34D}"/>
+                <a16:creationId xmlns="" xmlns:a16="http://schemas.microsoft.com/office/drawing/2014/main" id="{7668FFBE-924A-3044-A9A0-8EEB7253E34D}"/>
               </a:ext>
             </a:extLst>
           </p:cNvPr>
@@ -18964,11 +18615,7 @@
             </a:r>
             <a:r>
               <a:rPr lang="en-US" dirty="0" smtClean="0"/>
-              <a:t>(Keep the header lines </a:t>
-            </a:r>
-            <a:r>
-              <a:rPr lang="en-US" dirty="0" smtClean="0"/>
-              <a:t>–</a:t>
+              <a:t>(Keep the header lines –</a:t>
             </a:r>
             <a:r>
               <a:rPr lang="en-US" dirty="0" smtClean="0">
